--- a/AUTS Poster.pptx
+++ b/AUTS Poster.pptx
@@ -169,12 +169,12 @@
   <pc:docChgLst>
     <pc:chgData name="Hyatt, Jacob E CDT 2025" userId="8b9d417a-8c46-4136-87d3-9b6e2d7ca5cb" providerId="ADAL" clId="{87C2FF64-0C14-465F-88CF-1A24FC385B87}"/>
     <pc:docChg chg="undo custSel delSld modSld">
-      <pc:chgData name="Hyatt, Jacob E CDT 2025" userId="8b9d417a-8c46-4136-87d3-9b6e2d7ca5cb" providerId="ADAL" clId="{87C2FF64-0C14-465F-88CF-1A24FC385B87}" dt="2024-10-30T12:26:39.552" v="4402" actId="20577"/>
+      <pc:chgData name="Hyatt, Jacob E CDT 2025" userId="8b9d417a-8c46-4136-87d3-9b6e2d7ca5cb" providerId="ADAL" clId="{87C2FF64-0C14-465F-88CF-1A24FC385B87}" dt="2024-11-05T12:32:48.321" v="4409" actId="20577"/>
       <pc:docMkLst>
         <pc:docMk/>
       </pc:docMkLst>
       <pc:sldChg chg="addSp delSp modSp mod">
-        <pc:chgData name="Hyatt, Jacob E CDT 2025" userId="8b9d417a-8c46-4136-87d3-9b6e2d7ca5cb" providerId="ADAL" clId="{87C2FF64-0C14-465F-88CF-1A24FC385B87}" dt="2024-10-30T12:26:39.552" v="4402" actId="20577"/>
+        <pc:chgData name="Hyatt, Jacob E CDT 2025" userId="8b9d417a-8c46-4136-87d3-9b6e2d7ca5cb" providerId="ADAL" clId="{87C2FF64-0C14-465F-88CF-1A24FC385B87}" dt="2024-11-05T12:32:48.321" v="4409" actId="20577"/>
         <pc:sldMkLst>
           <pc:docMk/>
           <pc:sldMk cId="0" sldId="256"/>
@@ -668,7 +668,7 @@
           </ac:spMkLst>
         </pc:spChg>
         <pc:spChg chg="mod">
-          <ac:chgData name="Hyatt, Jacob E CDT 2025" userId="8b9d417a-8c46-4136-87d3-9b6e2d7ca5cb" providerId="ADAL" clId="{87C2FF64-0C14-465F-88CF-1A24FC385B87}" dt="2024-10-30T12:21:52.529" v="4329" actId="2711"/>
+          <ac:chgData name="Hyatt, Jacob E CDT 2025" userId="8b9d417a-8c46-4136-87d3-9b6e2d7ca5cb" providerId="ADAL" clId="{87C2FF64-0C14-465F-88CF-1A24FC385B87}" dt="2024-11-05T12:32:24.337" v="4408" actId="20577"/>
           <ac:spMkLst>
             <pc:docMk/>
             <pc:sldMk cId="0" sldId="256"/>
@@ -684,7 +684,7 @@
           </ac:spMkLst>
         </pc:spChg>
         <pc:spChg chg="mod">
-          <ac:chgData name="Hyatt, Jacob E CDT 2025" userId="8b9d417a-8c46-4136-87d3-9b6e2d7ca5cb" providerId="ADAL" clId="{87C2FF64-0C14-465F-88CF-1A24FC385B87}" dt="2024-10-30T12:26:39.552" v="4402" actId="20577"/>
+          <ac:chgData name="Hyatt, Jacob E CDT 2025" userId="8b9d417a-8c46-4136-87d3-9b6e2d7ca5cb" providerId="ADAL" clId="{87C2FF64-0C14-465F-88CF-1A24FC385B87}" dt="2024-11-05T12:32:48.321" v="4409" actId="20577"/>
           <ac:spMkLst>
             <pc:docMk/>
             <pc:sldMk cId="0" sldId="256"/>
@@ -938,7 +938,7 @@
           <a:p>
             <a:fld id="{0A42A979-CE19-4AA2-95FA-47B2C7BAAD9F}" type="datetimeFigureOut">
               <a:rPr lang="en-US" smtClean="0"/>
-              <a:t>10/30/2024</a:t>
+              <a:t>11/5/2024</a:t>
             </a:fld>
             <a:endParaRPr lang="en-US"/>
           </a:p>
@@ -4558,14 +4558,18 @@
             </a:r>
           </a:p>
           <a:p>
-            <a:pPr marL="304800" indent="-304800"/>
+            <a:pPr marL="0" indent="0">
+              <a:buNone/>
+            </a:pPr>
             <a:r>
               <a:rPr lang="en-US" altLang="en-US" sz="2800" dirty="0"/>
               <a:t>We leveraged satellite-derived vegetation data, introduced multiple enemies with varied capabilities, and enhancing the probability models for more realistic assessments. </a:t>
             </a:r>
           </a:p>
           <a:p>
-            <a:pPr marL="304800" indent="-304800"/>
+            <a:pPr marL="0" indent="0">
+              <a:buNone/>
+            </a:pPr>
             <a:r>
               <a:rPr lang="en-US" altLang="en-US" sz="2800" dirty="0"/>
               <a:t>Leveraging these projections, we employed a modified A* algorithm to plan routes that meet mission time constraints while minimizing detection risk. </a:t>
@@ -4919,8 +4923,8 @@
           </a:p>
         </p:txBody>
       </p:sp>
-      <mc:AlternateContent xmlns:mc="http://schemas.openxmlformats.org/markup-compatibility/2006">
-        <mc:Choice xmlns:a14="http://schemas.microsoft.com/office/drawing/2010/main" Requires="a14">
+      <mc:AlternateContent xmlns:mc="http://schemas.openxmlformats.org/markup-compatibility/2006" xmlns:a14="http://schemas.microsoft.com/office/drawing/2010/main">
+        <mc:Choice Requires="a14">
           <p:sp>
             <p:nvSpPr>
               <p:cNvPr id="2342" name="Rectangle 294"/>
@@ -5399,7 +5403,7 @@
             </p:txBody>
           </p:sp>
         </mc:Choice>
-        <mc:Fallback>
+        <mc:Fallback xmlns="">
           <p:sp>
             <p:nvSpPr>
               <p:cNvPr id="2342" name="Rectangle 294"/>
@@ -5897,13 +5901,6 @@
               <a:rPr lang="en-US" altLang="en-US" sz="2800" dirty="0"/>
               <a:t>1. Kendall, Thomas P., Daniel T. Killian, and Matthew J. Koch. "Optimized Tactical Route Planning." Military Operations Research Journal 28, no. 4 (2023): 5-21.</a:t>
             </a:r>
-          </a:p>
-          <a:p>
-            <a:pPr marL="476250" indent="-476250">
-              <a:buFontTx/>
-              <a:buNone/>
-            </a:pPr>
-            <a:endParaRPr lang="en-US" altLang="en-US" sz="2800" dirty="0"/>
           </a:p>
           <a:p>
             <a:pPr marL="476250" indent="-476250">
@@ -7550,45 +7547,6 @@
 </file>
 
 <file path=customXml/item1.xml><?xml version="1.0" encoding="utf-8"?>
-<?mso-contentType ?>
-<FormTemplates xmlns="http://schemas.microsoft.com/sharepoint/v3/contenttype/forms">
-  <Display>DocumentLibraryForm</Display>
-  <Edit>DocumentLibraryForm</Edit>
-  <New>DocumentLibraryForm</New>
-</FormTemplates>
-</file>
-
-<file path=customXml/item2.xml><?xml version="1.0" encoding="utf-8"?>
-<LongProperties xmlns="http://schemas.microsoft.com/office/2006/metadata/longProperties">
-  <LongProp xmlns="" name="MetaInfo"><![CDATA[60;#vti_parserversion:SR|14.0.0.4762
-vti_folderitemcount:IR|0
-Order:DW|6000.00000000000
-TaxKeyword:SW|
-_Category:SW|
-Category:SW|Templates
-vti_author:SR|USMAEDU\\Hilary.Fletcher
-vti_categories:VW|
-vti_approvallevel:SR|
-vti_foldersubfolderitemcount:IR|0
-vti_modifiedby:SR|USMAEDU\\natalie.vanatta
-vti_assignedto:SR|
-Keywords:SW|
-_Status:SW|
-vti_cachedcustomprops:VX|vti_approvallevel vti_categories Subject TaxKeywordTaxHTField vti_assignedto Keywords _Status Order TaxKeyword vti_title _Author _Category Slides Category _Comments TaxCatchAll
-ContentTypeId:SW|0x010100B55B46B06DCCCE4EA6F50434AF566168
-vti_cachedtitle:SR|Poster Template (Wide)
-vti_title:SR|Poster Template (Wide)
-_Author:SW|CDT Lee, Leon x72269
-Slides:IW|1
-_Comments:SW|
-TaxCatchAll:SW|
-Subject:SW|
-TaxKeywordTaxHTField:SW|
-]]></LongProp>
-</LongProperties>
-</file>
-
-<file path=customXml/item3.xml><?xml version="1.0" encoding="utf-8"?>
 <ct:contentTypeSchema xmlns:ct="http://schemas.microsoft.com/office/2006/metadata/contentType" xmlns:ma="http://schemas.microsoft.com/office/2006/metadata/properties/metaAttributes" ct:_="" ma:_="" ma:contentTypeName="Document" ma:contentTypeID="0x010100EEF25CA07ABE8746922A96DE612B94ED" ma:contentTypeVersion="19" ma:contentTypeDescription="Create a new document." ma:contentTypeScope="" ma:versionID="9286eaafb9faa32d4f1983c5cc2a57cb">
   <xsd:schema xmlns:xsd="http://www.w3.org/2001/XMLSchema" xmlns:xs="http://www.w3.org/2001/XMLSchema" xmlns:p="http://schemas.microsoft.com/office/2006/metadata/properties" xmlns:ns2="56da9768-d3a1-4445-bbbe-4f4dcd00b479" xmlns:ns3="7d11626b-f2c7-480d-9707-dfbb9866a658" targetNamespace="http://schemas.microsoft.com/office/2006/metadata/properties" ma:root="true" ma:fieldsID="05da4da3958dd64ea5025b9ff1adb0e3" ns2:_="" ns3:_="">
     <xsd:import namespace="56da9768-d3a1-4445-bbbe-4f4dcd00b479"/>
@@ -7851,6 +7809,45 @@
 </ct:contentTypeSchema>
 </file>
 
+<file path=customXml/item2.xml><?xml version="1.0" encoding="utf-8"?>
+<LongProperties xmlns="http://schemas.microsoft.com/office/2006/metadata/longProperties">
+  <LongProp xmlns="" name="MetaInfo"><![CDATA[60;#vti_parserversion:SR|14.0.0.4762
+vti_folderitemcount:IR|0
+Order:DW|6000.00000000000
+TaxKeyword:SW|
+_Category:SW|
+Category:SW|Templates
+vti_author:SR|USMAEDU\\Hilary.Fletcher
+vti_categories:VW|
+vti_approvallevel:SR|
+vti_foldersubfolderitemcount:IR|0
+vti_modifiedby:SR|USMAEDU\\natalie.vanatta
+vti_assignedto:SR|
+Keywords:SW|
+_Status:SW|
+vti_cachedcustomprops:VX|vti_approvallevel vti_categories Subject TaxKeywordTaxHTField vti_assignedto Keywords _Status Order TaxKeyword vti_title _Author _Category Slides Category _Comments TaxCatchAll
+ContentTypeId:SW|0x010100B55B46B06DCCCE4EA6F50434AF566168
+vti_cachedtitle:SR|Poster Template (Wide)
+vti_title:SR|Poster Template (Wide)
+_Author:SW|CDT Lee, Leon x72269
+Slides:IW|1
+_Comments:SW|
+TaxCatchAll:SW|
+Subject:SW|
+TaxKeywordTaxHTField:SW|
+]]></LongProp>
+</LongProperties>
+</file>
+
+<file path=customXml/item3.xml><?xml version="1.0" encoding="utf-8"?>
+<?mso-contentType ?>
+<FormTemplates xmlns="http://schemas.microsoft.com/sharepoint/v3/contenttype/forms">
+  <Display>DocumentLibraryForm</Display>
+  <Edit>DocumentLibraryForm</Edit>
+  <New>DocumentLibraryForm</New>
+</FormTemplates>
+</file>
+
 <file path=customXml/item4.xml><?xml version="1.0" encoding="utf-8"?>
 <p:properties xmlns:p="http://schemas.microsoft.com/office/2006/metadata/properties" xmlns:xsi="http://www.w3.org/2001/XMLSchema-instance" xmlns:pc="http://schemas.microsoft.com/office/infopath/2007/PartnerControls">
   <documentManagement>
@@ -7872,9 +7869,20 @@
 </file>
 
 <file path=customXml/itemProps1.xml><?xml version="1.0" encoding="utf-8"?>
-<ds:datastoreItem xmlns:ds="http://schemas.openxmlformats.org/officeDocument/2006/customXml" ds:itemID="{30CCC694-31DB-4150-9332-B9B398EF321E}">
+<ds:datastoreItem xmlns:ds="http://schemas.openxmlformats.org/officeDocument/2006/customXml" ds:itemID="{93A53B31-8EEB-4CE0-A2E8-076C97F316F2}">
   <ds:schemaRefs>
-    <ds:schemaRef ds:uri="http://schemas.microsoft.com/sharepoint/v3/contenttype/forms"/>
+    <ds:schemaRef ds:uri="http://schemas.microsoft.com/office/2006/metadata/contentType"/>
+    <ds:schemaRef ds:uri="http://schemas.microsoft.com/office/2006/metadata/properties/metaAttributes"/>
+    <ds:schemaRef ds:uri="http://www.w3.org/2001/XMLSchema"/>
+    <ds:schemaRef ds:uri="http://schemas.microsoft.com/office/2006/metadata/properties"/>
+    <ds:schemaRef ds:uri="56da9768-d3a1-4445-bbbe-4f4dcd00b479"/>
+    <ds:schemaRef ds:uri="7d11626b-f2c7-480d-9707-dfbb9866a658"/>
+    <ds:schemaRef ds:uri="http://schemas.microsoft.com/office/2006/documentManagement/types"/>
+    <ds:schemaRef ds:uri="http://schemas.microsoft.com/office/infopath/2007/PartnerControls"/>
+    <ds:schemaRef ds:uri="http://schemas.openxmlformats.org/package/2006/metadata/core-properties"/>
+    <ds:schemaRef ds:uri="http://purl.org/dc/elements/1.1/"/>
+    <ds:schemaRef ds:uri="http://purl.org/dc/terms/"/>
+    <ds:schemaRef ds:uri="http://schemas.microsoft.com/internal/obd"/>
   </ds:schemaRefs>
 </ds:datastoreItem>
 </file>
@@ -7889,20 +7897,9 @@
 </file>
 
 <file path=customXml/itemProps3.xml><?xml version="1.0" encoding="utf-8"?>
-<ds:datastoreItem xmlns:ds="http://schemas.openxmlformats.org/officeDocument/2006/customXml" ds:itemID="{93A53B31-8EEB-4CE0-A2E8-076C97F316F2}">
+<ds:datastoreItem xmlns:ds="http://schemas.openxmlformats.org/officeDocument/2006/customXml" ds:itemID="{30CCC694-31DB-4150-9332-B9B398EF321E}">
   <ds:schemaRefs>
-    <ds:schemaRef ds:uri="http://schemas.microsoft.com/office/2006/metadata/contentType"/>
-    <ds:schemaRef ds:uri="http://schemas.microsoft.com/office/2006/metadata/properties/metaAttributes"/>
-    <ds:schemaRef ds:uri="http://www.w3.org/2001/XMLSchema"/>
-    <ds:schemaRef ds:uri="http://schemas.microsoft.com/office/2006/metadata/properties"/>
-    <ds:schemaRef ds:uri="56da9768-d3a1-4445-bbbe-4f4dcd00b479"/>
-    <ds:schemaRef ds:uri="7d11626b-f2c7-480d-9707-dfbb9866a658"/>
-    <ds:schemaRef ds:uri="http://schemas.microsoft.com/office/2006/documentManagement/types"/>
-    <ds:schemaRef ds:uri="http://schemas.microsoft.com/office/infopath/2007/PartnerControls"/>
-    <ds:schemaRef ds:uri="http://schemas.openxmlformats.org/package/2006/metadata/core-properties"/>
-    <ds:schemaRef ds:uri="http://purl.org/dc/elements/1.1/"/>
-    <ds:schemaRef ds:uri="http://purl.org/dc/terms/"/>
-    <ds:schemaRef ds:uri="http://schemas.microsoft.com/internal/obd"/>
+    <ds:schemaRef ds:uri="http://schemas.microsoft.com/sharepoint/v3/contenttype/forms"/>
   </ds:schemaRefs>
 </ds:datastoreItem>
 </file>
